--- a/midTermPresentation.pptx
+++ b/midTermPresentation.pptx
@@ -6,13 +6,14 @@
   </p:sldMasterIdLst>
   <p:sldIdLst>
     <p:sldId id="256" r:id="rId2"/>
-    <p:sldId id="258" r:id="rId3"/>
-    <p:sldId id="259" r:id="rId4"/>
-    <p:sldId id="260" r:id="rId5"/>
-    <p:sldId id="262" r:id="rId6"/>
-    <p:sldId id="263" r:id="rId7"/>
-    <p:sldId id="261" r:id="rId8"/>
-    <p:sldId id="264" r:id="rId9"/>
+    <p:sldId id="265" r:id="rId3"/>
+    <p:sldId id="258" r:id="rId4"/>
+    <p:sldId id="259" r:id="rId5"/>
+    <p:sldId id="260" r:id="rId6"/>
+    <p:sldId id="262" r:id="rId7"/>
+    <p:sldId id="263" r:id="rId8"/>
+    <p:sldId id="261" r:id="rId9"/>
+    <p:sldId id="264" r:id="rId10"/>
   </p:sldIdLst>
   <p:sldSz cx="12192000" cy="6858000"/>
   <p:notesSz cx="6858000" cy="9144000"/>
@@ -122,7 +123,7 @@
 <file path=ppt/revisionInfo.xml><?xml version="1.0" encoding="utf-8"?>
 <p1510:revInfo xmlns:a="http://schemas.openxmlformats.org/drawingml/2006/main" xmlns:r="http://schemas.openxmlformats.org/officeDocument/2006/relationships" xmlns:p1510="http://schemas.microsoft.com/office/powerpoint/2015/10/main">
   <p1510:revLst>
-    <p1510:client id="{C2F63D29-2B8E-48C1-82C3-B42E4AEAE648}" v="21" dt="2023-11-13T17:57:03.251"/>
+    <p1510:client id="{C2F63D29-2B8E-48C1-82C3-B42E4AEAE648}" v="24" dt="2023-11-15T07:01:15.964"/>
   </p1510:revLst>
 </p1510:revInfo>
 </file>
@@ -132,12 +133,12 @@
   <pc:docChgLst>
     <pc:chgData name="Freudiger Niklas" userId="45d8e59a-3fbb-48b7-bd5d-580fb78334bf" providerId="ADAL" clId="{C2F63D29-2B8E-48C1-82C3-B42E4AEAE648}"/>
     <pc:docChg chg="undo custSel addSld delSld modSld">
-      <pc:chgData name="Freudiger Niklas" userId="45d8e59a-3fbb-48b7-bd5d-580fb78334bf" providerId="ADAL" clId="{C2F63D29-2B8E-48C1-82C3-B42E4AEAE648}" dt="2023-11-13T17:58:05.398" v="941" actId="1076"/>
+      <pc:chgData name="Freudiger Niklas" userId="45d8e59a-3fbb-48b7-bd5d-580fb78334bf" providerId="ADAL" clId="{C2F63D29-2B8E-48C1-82C3-B42E4AEAE648}" dt="2023-11-15T07:02:59.055" v="1043" actId="403"/>
       <pc:docMkLst>
         <pc:docMk/>
       </pc:docMkLst>
-      <pc:sldChg chg="addSp modSp mod">
-        <pc:chgData name="Freudiger Niklas" userId="45d8e59a-3fbb-48b7-bd5d-580fb78334bf" providerId="ADAL" clId="{C2F63D29-2B8E-48C1-82C3-B42E4AEAE648}" dt="2023-11-09T09:55:04.882" v="280" actId="29295"/>
+      <pc:sldChg chg="addSp delSp modSp mod">
+        <pc:chgData name="Freudiger Niklas" userId="45d8e59a-3fbb-48b7-bd5d-580fb78334bf" providerId="ADAL" clId="{C2F63D29-2B8E-48C1-82C3-B42E4AEAE648}" dt="2023-11-15T07:01:10.332" v="943"/>
         <pc:sldMkLst>
           <pc:docMk/>
           <pc:sldMk cId="1289269629" sldId="256"/>
@@ -158,6 +159,14 @@
             <ac:spMk id="3" creationId="{84AE7253-AFCB-F12D-AD6D-842E3CF23C71}"/>
           </ac:spMkLst>
         </pc:spChg>
+        <pc:picChg chg="add del mod">
+          <ac:chgData name="Freudiger Niklas" userId="45d8e59a-3fbb-48b7-bd5d-580fb78334bf" providerId="ADAL" clId="{C2F63D29-2B8E-48C1-82C3-B42E4AEAE648}" dt="2023-11-15T07:01:10.332" v="943"/>
+          <ac:picMkLst>
+            <pc:docMk/>
+            <pc:sldMk cId="1289269629" sldId="256"/>
+            <ac:picMk id="4" creationId="{1E7DA6C2-4087-0EFE-E0C5-C89DD95559EC}"/>
+          </ac:picMkLst>
+        </pc:picChg>
         <pc:picChg chg="add mod ord">
           <ac:chgData name="Freudiger Niklas" userId="45d8e59a-3fbb-48b7-bd5d-580fb78334bf" providerId="ADAL" clId="{C2F63D29-2B8E-48C1-82C3-B42E4AEAE648}" dt="2023-11-09T09:55:04.882" v="280" actId="29295"/>
           <ac:picMkLst>
@@ -503,6 +512,37 @@
           </ac:picMkLst>
         </pc:picChg>
       </pc:sldChg>
+      <pc:sldChg chg="addSp delSp modSp add mod">
+        <pc:chgData name="Freudiger Niklas" userId="45d8e59a-3fbb-48b7-bd5d-580fb78334bf" providerId="ADAL" clId="{C2F63D29-2B8E-48C1-82C3-B42E4AEAE648}" dt="2023-11-15T07:02:59.055" v="1043" actId="403"/>
+        <pc:sldMkLst>
+          <pc:docMk/>
+          <pc:sldMk cId="1588342529" sldId="265"/>
+        </pc:sldMkLst>
+        <pc:spChg chg="mod">
+          <ac:chgData name="Freudiger Niklas" userId="45d8e59a-3fbb-48b7-bd5d-580fb78334bf" providerId="ADAL" clId="{C2F63D29-2B8E-48C1-82C3-B42E4AEAE648}" dt="2023-11-15T07:02:59.055" v="1043" actId="403"/>
+          <ac:spMkLst>
+            <pc:docMk/>
+            <pc:sldMk cId="1588342529" sldId="265"/>
+            <ac:spMk id="2" creationId="{B434D136-2C8E-C466-C3C8-DF49F068FFC7}"/>
+          </ac:spMkLst>
+        </pc:spChg>
+        <pc:spChg chg="del">
+          <ac:chgData name="Freudiger Niklas" userId="45d8e59a-3fbb-48b7-bd5d-580fb78334bf" providerId="ADAL" clId="{C2F63D29-2B8E-48C1-82C3-B42E4AEAE648}" dt="2023-11-15T07:02:23.263" v="1038" actId="478"/>
+          <ac:spMkLst>
+            <pc:docMk/>
+            <pc:sldMk cId="1588342529" sldId="265"/>
+            <ac:spMk id="3" creationId="{84AE7253-AFCB-F12D-AD6D-842E3CF23C71}"/>
+          </ac:spMkLst>
+        </pc:spChg>
+        <pc:spChg chg="add del mod">
+          <ac:chgData name="Freudiger Niklas" userId="45d8e59a-3fbb-48b7-bd5d-580fb78334bf" providerId="ADAL" clId="{C2F63D29-2B8E-48C1-82C3-B42E4AEAE648}" dt="2023-11-15T07:02:34.290" v="1040" actId="478"/>
+          <ac:spMkLst>
+            <pc:docMk/>
+            <pc:sldMk cId="1588342529" sldId="265"/>
+            <ac:spMk id="6" creationId="{A0DF384E-621E-901D-F801-28D3EC5236C6}"/>
+          </ac:spMkLst>
+        </pc:spChg>
+      </pc:sldChg>
     </pc:docChg>
   </pc:docChgLst>
 </pc:chgInfo>
@@ -657,7 +697,7 @@
           <a:p>
             <a:fld id="{E18E8EBC-C93F-4193-8B7C-483A6CDB72FD}" type="datetimeFigureOut">
               <a:rPr lang="en-CH" smtClean="0"/>
-              <a:t>13/11/2023</a:t>
+              <a:t>15/11/2023</a:t>
             </a:fld>
             <a:endParaRPr lang="en-CH"/>
           </a:p>
@@ -857,7 +897,7 @@
           <a:p>
             <a:fld id="{E18E8EBC-C93F-4193-8B7C-483A6CDB72FD}" type="datetimeFigureOut">
               <a:rPr lang="en-CH" smtClean="0"/>
-              <a:t>13/11/2023</a:t>
+              <a:t>15/11/2023</a:t>
             </a:fld>
             <a:endParaRPr lang="en-CH"/>
           </a:p>
@@ -1067,7 +1107,7 @@
           <a:p>
             <a:fld id="{E18E8EBC-C93F-4193-8B7C-483A6CDB72FD}" type="datetimeFigureOut">
               <a:rPr lang="en-CH" smtClean="0"/>
-              <a:t>13/11/2023</a:t>
+              <a:t>15/11/2023</a:t>
             </a:fld>
             <a:endParaRPr lang="en-CH"/>
           </a:p>
@@ -1267,7 +1307,7 @@
           <a:p>
             <a:fld id="{E18E8EBC-C93F-4193-8B7C-483A6CDB72FD}" type="datetimeFigureOut">
               <a:rPr lang="en-CH" smtClean="0"/>
-              <a:t>13/11/2023</a:t>
+              <a:t>15/11/2023</a:t>
             </a:fld>
             <a:endParaRPr lang="en-CH"/>
           </a:p>
@@ -1543,7 +1583,7 @@
           <a:p>
             <a:fld id="{E18E8EBC-C93F-4193-8B7C-483A6CDB72FD}" type="datetimeFigureOut">
               <a:rPr lang="en-CH" smtClean="0"/>
-              <a:t>13/11/2023</a:t>
+              <a:t>15/11/2023</a:t>
             </a:fld>
             <a:endParaRPr lang="en-CH"/>
           </a:p>
@@ -1811,7 +1851,7 @@
           <a:p>
             <a:fld id="{E18E8EBC-C93F-4193-8B7C-483A6CDB72FD}" type="datetimeFigureOut">
               <a:rPr lang="en-CH" smtClean="0"/>
-              <a:t>13/11/2023</a:t>
+              <a:t>15/11/2023</a:t>
             </a:fld>
             <a:endParaRPr lang="en-CH"/>
           </a:p>
@@ -2226,7 +2266,7 @@
           <a:p>
             <a:fld id="{E18E8EBC-C93F-4193-8B7C-483A6CDB72FD}" type="datetimeFigureOut">
               <a:rPr lang="en-CH" smtClean="0"/>
-              <a:t>13/11/2023</a:t>
+              <a:t>15/11/2023</a:t>
             </a:fld>
             <a:endParaRPr lang="en-CH"/>
           </a:p>
@@ -2368,7 +2408,7 @@
           <a:p>
             <a:fld id="{E18E8EBC-C93F-4193-8B7C-483A6CDB72FD}" type="datetimeFigureOut">
               <a:rPr lang="en-CH" smtClean="0"/>
-              <a:t>13/11/2023</a:t>
+              <a:t>15/11/2023</a:t>
             </a:fld>
             <a:endParaRPr lang="en-CH"/>
           </a:p>
@@ -2481,7 +2521,7 @@
           <a:p>
             <a:fld id="{E18E8EBC-C93F-4193-8B7C-483A6CDB72FD}" type="datetimeFigureOut">
               <a:rPr lang="en-CH" smtClean="0"/>
-              <a:t>13/11/2023</a:t>
+              <a:t>15/11/2023</a:t>
             </a:fld>
             <a:endParaRPr lang="en-CH"/>
           </a:p>
@@ -2794,7 +2834,7 @@
           <a:p>
             <a:fld id="{E18E8EBC-C93F-4193-8B7C-483A6CDB72FD}" type="datetimeFigureOut">
               <a:rPr lang="en-CH" smtClean="0"/>
-              <a:t>13/11/2023</a:t>
+              <a:t>15/11/2023</a:t>
             </a:fld>
             <a:endParaRPr lang="en-CH"/>
           </a:p>
@@ -3083,7 +3123,7 @@
           <a:p>
             <a:fld id="{E18E8EBC-C93F-4193-8B7C-483A6CDB72FD}" type="datetimeFigureOut">
               <a:rPr lang="en-CH" smtClean="0"/>
-              <a:t>13/11/2023</a:t>
+              <a:t>15/11/2023</a:t>
             </a:fld>
             <a:endParaRPr lang="en-CH"/>
           </a:p>
@@ -3326,7 +3366,7 @@
           <a:p>
             <a:fld id="{E18E8EBC-C93F-4193-8B7C-483A6CDB72FD}" type="datetimeFigureOut">
               <a:rPr lang="en-CH" smtClean="0"/>
-              <a:t>13/11/2023</a:t>
+              <a:t>15/11/2023</a:t>
             </a:fld>
             <a:endParaRPr lang="en-CH"/>
           </a:p>
@@ -4046,6 +4086,167 @@
           <a:chExt cx="0" cy="0"/>
         </a:xfrm>
       </p:grpSpPr>
+      <p:pic>
+        <p:nvPicPr>
+          <p:cNvPr id="5" name="Picture 4">
+            <a:extLst>
+              <a:ext uri="{FF2B5EF4-FFF2-40B4-BE49-F238E27FC236}">
+                <a16:creationId xmlns:a16="http://schemas.microsoft.com/office/drawing/2014/main" id="{95016585-4912-DF7B-DF59-AC3A4B0FB80C}"/>
+              </a:ext>
+            </a:extLst>
+          </p:cNvPr>
+          <p:cNvPicPr>
+            <a:picLocks noChangeAspect="1"/>
+          </p:cNvPicPr>
+          <p:nvPr/>
+        </p:nvPicPr>
+        <p:blipFill>
+          <a:blip r:embed="rId2">
+            <a:alphaModFix amt="20000"/>
+          </a:blip>
+          <a:stretch>
+            <a:fillRect/>
+          </a:stretch>
+        </p:blipFill>
+        <p:spPr>
+          <a:xfrm>
+            <a:off x="0" y="0"/>
+            <a:ext cx="12192000" cy="6887308"/>
+          </a:xfrm>
+          <a:prstGeom prst="rect">
+            <a:avLst/>
+          </a:prstGeom>
+        </p:spPr>
+      </p:pic>
+      <p:sp>
+        <p:nvSpPr>
+          <p:cNvPr id="2" name="Title 1">
+            <a:extLst>
+              <a:ext uri="{FF2B5EF4-FFF2-40B4-BE49-F238E27FC236}">
+                <a16:creationId xmlns:a16="http://schemas.microsoft.com/office/drawing/2014/main" id="{B434D136-2C8E-C466-C3C8-DF49F068FFC7}"/>
+              </a:ext>
+            </a:extLst>
+          </p:cNvPr>
+          <p:cNvSpPr>
+            <a:spLocks noGrp="1"/>
+          </p:cNvSpPr>
+          <p:nvPr>
+            <p:ph type="ctrTitle"/>
+          </p:nvPr>
+        </p:nvSpPr>
+        <p:spPr>
+          <a:xfrm>
+            <a:off x="1524000" y="2062162"/>
+            <a:ext cx="9144000" cy="2387600"/>
+          </a:xfrm>
+        </p:spPr>
+        <p:txBody>
+          <a:bodyPr>
+            <a:noAutofit/>
+          </a:bodyPr>
+          <a:lstStyle/>
+          <a:p>
+            <a:r>
+              <a:rPr lang="en-GB" sz="5400" b="1" dirty="0">
+                <a:ln w="9525">
+                  <a:solidFill>
+                    <a:schemeClr val="bg1"/>
+                  </a:solidFill>
+                  <a:prstDash val="solid"/>
+                </a:ln>
+                <a:effectLst>
+                  <a:outerShdw blurRad="12700" dist="38100" dir="2700000" algn="tl" rotWithShape="0">
+                    <a:schemeClr val="bg1">
+                      <a:lumMod val="50000"/>
+                    </a:schemeClr>
+                  </a:outerShdw>
+                </a:effectLst>
+              </a:rPr>
+              <a:t>Hypothesis 6: </a:t>
+            </a:r>
+            <a:br>
+              <a:rPr lang="en-GB" sz="4800" b="1" dirty="0">
+                <a:ln w="9525">
+                  <a:solidFill>
+                    <a:schemeClr val="bg1"/>
+                  </a:solidFill>
+                  <a:prstDash val="solid"/>
+                </a:ln>
+                <a:effectLst>
+                  <a:outerShdw blurRad="12700" dist="38100" dir="2700000" algn="tl" rotWithShape="0">
+                    <a:schemeClr val="bg1">
+                      <a:lumMod val="50000"/>
+                    </a:schemeClr>
+                  </a:outerShdw>
+                </a:effectLst>
+              </a:rPr>
+            </a:br>
+            <a:r>
+              <a:rPr lang="en-GB" sz="4400" b="1" i="1" dirty="0">
+                <a:ln w="9525">
+                  <a:solidFill>
+                    <a:schemeClr val="bg1"/>
+                  </a:solidFill>
+                  <a:prstDash val="solid"/>
+                </a:ln>
+                <a:effectLst>
+                  <a:outerShdw blurRad="12700" dist="38100" dir="2700000" algn="tl" rotWithShape="0">
+                    <a:schemeClr val="bg1">
+                      <a:lumMod val="50000"/>
+                    </a:schemeClr>
+                  </a:outerShdw>
+                </a:effectLst>
+              </a:rPr>
+              <a:t>A larger amount of features improves the segmentation performance</a:t>
+            </a:r>
+            <a:endParaRPr lang="en-CH" sz="4800" b="1" i="1" dirty="0">
+              <a:ln w="9525">
+                <a:solidFill>
+                  <a:schemeClr val="bg1"/>
+                </a:solidFill>
+                <a:prstDash val="solid"/>
+              </a:ln>
+              <a:effectLst>
+                <a:outerShdw blurRad="12700" dist="38100" dir="2700000" algn="tl" rotWithShape="0">
+                  <a:schemeClr val="bg1">
+                    <a:lumMod val="50000"/>
+                  </a:schemeClr>
+                </a:outerShdw>
+              </a:effectLst>
+            </a:endParaRPr>
+          </a:p>
+        </p:txBody>
+      </p:sp>
+    </p:spTree>
+    <p:extLst>
+      <p:ext uri="{BB962C8B-B14F-4D97-AF65-F5344CB8AC3E}">
+        <p14:creationId xmlns:p14="http://schemas.microsoft.com/office/powerpoint/2010/main" val="1588342529"/>
+      </p:ext>
+    </p:extLst>
+  </p:cSld>
+  <p:clrMapOvr>
+    <a:masterClrMapping/>
+  </p:clrMapOvr>
+</p:sld>
+</file>
+
+<file path=ppt/slides/slide3.xml><?xml version="1.0" encoding="utf-8"?>
+<p:sld xmlns:a="http://schemas.openxmlformats.org/drawingml/2006/main" xmlns:r="http://schemas.openxmlformats.org/officeDocument/2006/relationships" xmlns:p="http://schemas.openxmlformats.org/presentationml/2006/main">
+  <p:cSld>
+    <p:spTree>
+      <p:nvGrpSpPr>
+        <p:cNvPr id="1" name=""/>
+        <p:cNvGrpSpPr/>
+        <p:nvPr/>
+      </p:nvGrpSpPr>
+      <p:grpSpPr>
+        <a:xfrm>
+          <a:off x="0" y="0"/>
+          <a:ext cx="0" cy="0"/>
+          <a:chOff x="0" y="0"/>
+          <a:chExt cx="0" cy="0"/>
+        </a:xfrm>
+      </p:grpSpPr>
       <p:sp>
         <p:nvSpPr>
           <p:cNvPr id="2" name="Title 1">
@@ -4210,7 +4411,7 @@
 </p:sld>
 </file>
 
-<file path=ppt/slides/slide3.xml><?xml version="1.0" encoding="utf-8"?>
+<file path=ppt/slides/slide4.xml><?xml version="1.0" encoding="utf-8"?>
 <p:sld xmlns:a="http://schemas.openxmlformats.org/drawingml/2006/main" xmlns:r="http://schemas.openxmlformats.org/officeDocument/2006/relationships" xmlns:p="http://schemas.openxmlformats.org/presentationml/2006/main">
   <p:cSld>
     <p:spTree>
@@ -4465,7 +4666,7 @@
 </p:sld>
 </file>
 
-<file path=ppt/slides/slide4.xml><?xml version="1.0" encoding="utf-8"?>
+<file path=ppt/slides/slide5.xml><?xml version="1.0" encoding="utf-8"?>
 <p:sld xmlns:a="http://schemas.openxmlformats.org/drawingml/2006/main" xmlns:r="http://schemas.openxmlformats.org/officeDocument/2006/relationships" xmlns:p="http://schemas.openxmlformats.org/presentationml/2006/main">
   <p:cSld>
     <p:spTree>
@@ -4597,7 +4798,7 @@
 </p:sld>
 </file>
 
-<file path=ppt/slides/slide5.xml><?xml version="1.0" encoding="utf-8"?>
+<file path=ppt/slides/slide6.xml><?xml version="1.0" encoding="utf-8"?>
 <p:sld xmlns:a="http://schemas.openxmlformats.org/drawingml/2006/main" xmlns:r="http://schemas.openxmlformats.org/officeDocument/2006/relationships" xmlns:p="http://schemas.openxmlformats.org/presentationml/2006/main">
   <p:cSld>
     <p:spTree>
@@ -4728,7 +4929,7 @@
 </p:sld>
 </file>
 
-<file path=ppt/slides/slide6.xml><?xml version="1.0" encoding="utf-8"?>
+<file path=ppt/slides/slide7.xml><?xml version="1.0" encoding="utf-8"?>
 <p:sld xmlns:a="http://schemas.openxmlformats.org/drawingml/2006/main" xmlns:r="http://schemas.openxmlformats.org/officeDocument/2006/relationships" xmlns:p="http://schemas.openxmlformats.org/presentationml/2006/main">
   <p:cSld>
     <p:spTree>
@@ -5118,7 +5319,7 @@
 </p:sld>
 </file>
 
-<file path=ppt/slides/slide7.xml><?xml version="1.0" encoding="utf-8"?>
+<file path=ppt/slides/slide8.xml><?xml version="1.0" encoding="utf-8"?>
 <p:sld xmlns:a="http://schemas.openxmlformats.org/drawingml/2006/main" xmlns:r="http://schemas.openxmlformats.org/officeDocument/2006/relationships" xmlns:p="http://schemas.openxmlformats.org/presentationml/2006/main">
   <p:cSld>
     <p:spTree>
@@ -5263,7 +5464,7 @@
 </p:sld>
 </file>
 
-<file path=ppt/slides/slide8.xml><?xml version="1.0" encoding="utf-8"?>
+<file path=ppt/slides/slide9.xml><?xml version="1.0" encoding="utf-8"?>
 <p:sld xmlns:a="http://schemas.openxmlformats.org/drawingml/2006/main" xmlns:r="http://schemas.openxmlformats.org/officeDocument/2006/relationships" xmlns:p="http://schemas.openxmlformats.org/presentationml/2006/main">
   <p:cSld>
     <p:bg>
